--- a/figures/Fig4-2-system-model.pptx
+++ b/figures/Fig4-2-system-model.pptx
@@ -104,6 +104,11 @@
       </a:defRPr>
     </a:lvl9pPr>
   </p:defaultTextStyle>
+  <p:extLst>
+    <p:ext uri="{EFAFB233-063F-42B5-8137-9DF3F51BA10A}">
+      <p15:sldGuideLst xmlns:p15="http://schemas.microsoft.com/office/powerpoint/2012/main"/>
+    </p:ext>
+  </p:extLst>
 </p:presentation>
 </file>
 
@@ -238,7 +243,7 @@
           <a:p>
             <a:fld id="{A403FFBF-E3D0-5442-A8EE-4BB616A6B616}" type="datetimeFigureOut">
               <a:rPr lang="en-US" smtClean="0"/>
-              <a:t>3/20/23</a:t>
+              <a:t>4/16/23</a:t>
             </a:fld>
             <a:endParaRPr lang="en-US"/>
           </a:p>
@@ -408,7 +413,7 @@
           <a:p>
             <a:fld id="{A403FFBF-E3D0-5442-A8EE-4BB616A6B616}" type="datetimeFigureOut">
               <a:rPr lang="en-US" smtClean="0"/>
-              <a:t>3/20/23</a:t>
+              <a:t>4/16/23</a:t>
             </a:fld>
             <a:endParaRPr lang="en-US"/>
           </a:p>
@@ -588,7 +593,7 @@
           <a:p>
             <a:fld id="{A403FFBF-E3D0-5442-A8EE-4BB616A6B616}" type="datetimeFigureOut">
               <a:rPr lang="en-US" smtClean="0"/>
-              <a:t>3/20/23</a:t>
+              <a:t>4/16/23</a:t>
             </a:fld>
             <a:endParaRPr lang="en-US"/>
           </a:p>
@@ -758,7 +763,7 @@
           <a:p>
             <a:fld id="{A403FFBF-E3D0-5442-A8EE-4BB616A6B616}" type="datetimeFigureOut">
               <a:rPr lang="en-US" smtClean="0"/>
-              <a:t>3/20/23</a:t>
+              <a:t>4/16/23</a:t>
             </a:fld>
             <a:endParaRPr lang="en-US"/>
           </a:p>
@@ -1002,7 +1007,7 @@
           <a:p>
             <a:fld id="{A403FFBF-E3D0-5442-A8EE-4BB616A6B616}" type="datetimeFigureOut">
               <a:rPr lang="en-US" smtClean="0"/>
-              <a:t>3/20/23</a:t>
+              <a:t>4/16/23</a:t>
             </a:fld>
             <a:endParaRPr lang="en-US"/>
           </a:p>
@@ -1234,7 +1239,7 @@
           <a:p>
             <a:fld id="{A403FFBF-E3D0-5442-A8EE-4BB616A6B616}" type="datetimeFigureOut">
               <a:rPr lang="en-US" smtClean="0"/>
-              <a:t>3/20/23</a:t>
+              <a:t>4/16/23</a:t>
             </a:fld>
             <a:endParaRPr lang="en-US"/>
           </a:p>
@@ -1601,7 +1606,7 @@
           <a:p>
             <a:fld id="{A403FFBF-E3D0-5442-A8EE-4BB616A6B616}" type="datetimeFigureOut">
               <a:rPr lang="en-US" smtClean="0"/>
-              <a:t>3/20/23</a:t>
+              <a:t>4/16/23</a:t>
             </a:fld>
             <a:endParaRPr lang="en-US"/>
           </a:p>
@@ -1719,7 +1724,7 @@
           <a:p>
             <a:fld id="{A403FFBF-E3D0-5442-A8EE-4BB616A6B616}" type="datetimeFigureOut">
               <a:rPr lang="en-US" smtClean="0"/>
-              <a:t>3/20/23</a:t>
+              <a:t>4/16/23</a:t>
             </a:fld>
             <a:endParaRPr lang="en-US"/>
           </a:p>
@@ -1814,7 +1819,7 @@
           <a:p>
             <a:fld id="{A403FFBF-E3D0-5442-A8EE-4BB616A6B616}" type="datetimeFigureOut">
               <a:rPr lang="en-US" smtClean="0"/>
-              <a:t>3/20/23</a:t>
+              <a:t>4/16/23</a:t>
             </a:fld>
             <a:endParaRPr lang="en-US"/>
           </a:p>
@@ -2091,7 +2096,7 @@
           <a:p>
             <a:fld id="{A403FFBF-E3D0-5442-A8EE-4BB616A6B616}" type="datetimeFigureOut">
               <a:rPr lang="en-US" smtClean="0"/>
-              <a:t>3/20/23</a:t>
+              <a:t>4/16/23</a:t>
             </a:fld>
             <a:endParaRPr lang="en-US"/>
           </a:p>
@@ -2348,7 +2353,7 @@
           <a:p>
             <a:fld id="{A403FFBF-E3D0-5442-A8EE-4BB616A6B616}" type="datetimeFigureOut">
               <a:rPr lang="en-US" smtClean="0"/>
-              <a:t>3/20/23</a:t>
+              <a:t>4/16/23</a:t>
             </a:fld>
             <a:endParaRPr lang="en-US"/>
           </a:p>
@@ -2561,7 +2566,7 @@
           <a:p>
             <a:fld id="{A403FFBF-E3D0-5442-A8EE-4BB616A6B616}" type="datetimeFigureOut">
               <a:rPr lang="en-US" smtClean="0"/>
-              <a:t>3/20/23</a:t>
+              <a:t>4/16/23</a:t>
             </a:fld>
             <a:endParaRPr lang="en-US"/>
           </a:p>
@@ -9975,8 +9980,8 @@
           </a:p>
         </p:txBody>
       </p:sp>
-      <mc:AlternateContent xmlns:mc="http://schemas.openxmlformats.org/markup-compatibility/2006">
-        <mc:Choice xmlns:a14="http://schemas.microsoft.com/office/drawing/2010/main" Requires="a14">
+      <mc:AlternateContent xmlns:mc="http://schemas.openxmlformats.org/markup-compatibility/2006" xmlns:a14="http://schemas.microsoft.com/office/drawing/2010/main">
+        <mc:Choice Requires="a14">
           <p:sp>
             <p:nvSpPr>
               <p:cNvPr id="430" name="文本框 165">
@@ -10034,7 +10039,7 @@
             </p:txBody>
           </p:sp>
         </mc:Choice>
-        <mc:Fallback>
+        <mc:Fallback xmlns="">
           <p:sp>
             <p:nvSpPr>
               <p:cNvPr id="430" name="文本框 165">
@@ -10182,8 +10187,8 @@
           </a:p>
         </p:txBody>
       </p:sp>
-      <mc:AlternateContent xmlns:mc="http://schemas.openxmlformats.org/markup-compatibility/2006">
-        <mc:Choice xmlns:a14="http://schemas.microsoft.com/office/drawing/2010/main" Requires="a14">
+      <mc:AlternateContent xmlns:mc="http://schemas.openxmlformats.org/markup-compatibility/2006" xmlns:a14="http://schemas.microsoft.com/office/drawing/2010/main">
+        <mc:Choice Requires="a14">
           <p:sp>
             <p:nvSpPr>
               <p:cNvPr id="432" name="文本框 167">
@@ -10249,7 +10254,7 @@
             </p:txBody>
           </p:sp>
         </mc:Choice>
-        <mc:Fallback>
+        <mc:Fallback xmlns="">
           <p:sp>
             <p:nvSpPr>
               <p:cNvPr id="432" name="文本框 167">
@@ -10294,8 +10299,8 @@
           </p:sp>
         </mc:Fallback>
       </mc:AlternateContent>
-      <mc:AlternateContent xmlns:mc="http://schemas.openxmlformats.org/markup-compatibility/2006">
-        <mc:Choice xmlns:a14="http://schemas.microsoft.com/office/drawing/2010/main" Requires="a14">
+      <mc:AlternateContent xmlns:mc="http://schemas.openxmlformats.org/markup-compatibility/2006" xmlns:a14="http://schemas.microsoft.com/office/drawing/2010/main">
+        <mc:Choice Requires="a14">
           <p:sp>
             <p:nvSpPr>
               <p:cNvPr id="433" name="文本框 168">
@@ -10361,7 +10366,7 @@
             </p:txBody>
           </p:sp>
         </mc:Choice>
-        <mc:Fallback>
+        <mc:Fallback xmlns="">
           <p:sp>
             <p:nvSpPr>
               <p:cNvPr id="433" name="文本框 168">
@@ -10406,8 +10411,8 @@
           </p:sp>
         </mc:Fallback>
       </mc:AlternateContent>
-      <mc:AlternateContent xmlns:mc="http://schemas.openxmlformats.org/markup-compatibility/2006">
-        <mc:Choice xmlns:a14="http://schemas.microsoft.com/office/drawing/2010/main" Requires="a14">
+      <mc:AlternateContent xmlns:mc="http://schemas.openxmlformats.org/markup-compatibility/2006" xmlns:a14="http://schemas.microsoft.com/office/drawing/2010/main">
+        <mc:Choice Requires="a14">
           <p:sp>
             <p:nvSpPr>
               <p:cNvPr id="434" name="文本框 169">
@@ -10473,7 +10478,7 @@
             </p:txBody>
           </p:sp>
         </mc:Choice>
-        <mc:Fallback>
+        <mc:Fallback xmlns="">
           <p:sp>
             <p:nvSpPr>
               <p:cNvPr id="434" name="文本框 169">
@@ -10518,8 +10523,8 @@
           </p:sp>
         </mc:Fallback>
       </mc:AlternateContent>
-      <mc:AlternateContent xmlns:mc="http://schemas.openxmlformats.org/markup-compatibility/2006">
-        <mc:Choice xmlns:a14="http://schemas.microsoft.com/office/drawing/2010/main" Requires="a14">
+      <mc:AlternateContent xmlns:mc="http://schemas.openxmlformats.org/markup-compatibility/2006" xmlns:a14="http://schemas.microsoft.com/office/drawing/2010/main">
+        <mc:Choice Requires="a14">
           <p:sp>
             <p:nvSpPr>
               <p:cNvPr id="435" name="文本框 170">
@@ -10585,7 +10590,7 @@
             </p:txBody>
           </p:sp>
         </mc:Choice>
-        <mc:Fallback>
+        <mc:Fallback xmlns="">
           <p:sp>
             <p:nvSpPr>
               <p:cNvPr id="435" name="文本框 170">
@@ -11135,8 +11140,8 @@
           </a:fontRef>
         </p:style>
       </p:cxnSp>
-      <mc:AlternateContent xmlns:mc="http://schemas.openxmlformats.org/markup-compatibility/2006">
-        <mc:Choice xmlns:a14="http://schemas.microsoft.com/office/drawing/2010/main" Requires="a14">
+      <mc:AlternateContent xmlns:mc="http://schemas.openxmlformats.org/markup-compatibility/2006" xmlns:a14="http://schemas.microsoft.com/office/drawing/2010/main">
+        <mc:Choice Requires="a14">
           <p:sp>
             <p:nvSpPr>
               <p:cNvPr id="447" name="文本框 182">
@@ -11202,7 +11207,7 @@
             </p:txBody>
           </p:sp>
         </mc:Choice>
-        <mc:Fallback>
+        <mc:Fallback xmlns="">
           <p:sp>
             <p:nvSpPr>
               <p:cNvPr id="447" name="文本框 182">
@@ -11293,8 +11298,8 @@
           </a:fontRef>
         </p:style>
       </p:cxnSp>
-      <mc:AlternateContent xmlns:mc="http://schemas.openxmlformats.org/markup-compatibility/2006">
-        <mc:Choice xmlns:a14="http://schemas.microsoft.com/office/drawing/2010/main" Requires="a14">
+      <mc:AlternateContent xmlns:mc="http://schemas.openxmlformats.org/markup-compatibility/2006" xmlns:a14="http://schemas.microsoft.com/office/drawing/2010/main">
+        <mc:Choice Requires="a14">
           <p:sp>
             <p:nvSpPr>
               <p:cNvPr id="449" name="文本框 184">
@@ -11472,7 +11477,7 @@
             </p:txBody>
           </p:sp>
         </mc:Choice>
-        <mc:Fallback>
+        <mc:Fallback xmlns="">
           <p:sp>
             <p:nvSpPr>
               <p:cNvPr id="449" name="文本框 184">
@@ -11517,8 +11522,8 @@
           </p:sp>
         </mc:Fallback>
       </mc:AlternateContent>
-      <mc:AlternateContent xmlns:mc="http://schemas.openxmlformats.org/markup-compatibility/2006">
-        <mc:Choice xmlns:a14="http://schemas.microsoft.com/office/drawing/2010/main" Requires="a14">
+      <mc:AlternateContent xmlns:mc="http://schemas.openxmlformats.org/markup-compatibility/2006" xmlns:a14="http://schemas.microsoft.com/office/drawing/2010/main">
+        <mc:Choice Requires="a14">
           <p:sp>
             <p:nvSpPr>
               <p:cNvPr id="450" name="文本框 185">
@@ -11696,7 +11701,7 @@
             </p:txBody>
           </p:sp>
         </mc:Choice>
-        <mc:Fallback>
+        <mc:Fallback xmlns="">
           <p:sp>
             <p:nvSpPr>
               <p:cNvPr id="450" name="文本框 185">
@@ -11741,8 +11746,8 @@
           </p:sp>
         </mc:Fallback>
       </mc:AlternateContent>
-      <mc:AlternateContent xmlns:mc="http://schemas.openxmlformats.org/markup-compatibility/2006">
-        <mc:Choice xmlns:a14="http://schemas.microsoft.com/office/drawing/2010/main" Requires="a14">
+      <mc:AlternateContent xmlns:mc="http://schemas.openxmlformats.org/markup-compatibility/2006" xmlns:a14="http://schemas.microsoft.com/office/drawing/2010/main">
+        <mc:Choice Requires="a14">
           <p:sp>
             <p:nvSpPr>
               <p:cNvPr id="451" name="矩形 186">
@@ -11935,7 +11940,7 @@
             </p:txBody>
           </p:sp>
         </mc:Choice>
-        <mc:Fallback>
+        <mc:Fallback xmlns="">
           <p:sp>
             <p:nvSpPr>
               <p:cNvPr id="451" name="矩形 186">
@@ -12099,7 +12104,7 @@
             <p:spPr>
               <a:xfrm>
                 <a:off x="605934" y="12597805"/>
-                <a:ext cx="7243265" cy="830035"/>
+                <a:ext cx="7769050" cy="830035"/>
               </a:xfrm>
               <a:prstGeom prst="rect">
                 <a:avLst/>
@@ -12120,7 +12125,7 @@
                     <a:ea typeface="Songti TC" panose="02010600040101010101" pitchFamily="2" charset="-120"/>
                     <a:cs typeface="Times New Roman" panose="02020603050405020304" pitchFamily="18" charset="0"/>
                   </a:rPr>
-                  <a:t>域间干扰</a:t>
+                  <a:t>边缘间干扰</a:t>
                 </a:r>
                 <a:r>
                   <a:rPr kumimoji="1" lang="en-US" altLang="zh-CN" sz="3600" dirty="0">
@@ -12424,7 +12429,7 @@
             <p:spPr>
               <a:xfrm>
                 <a:off x="605934" y="12597805"/>
-                <a:ext cx="7243265" cy="830035"/>
+                <a:ext cx="7769050" cy="830035"/>
               </a:xfrm>
               <a:prstGeom prst="rect">
                 <a:avLst/>
@@ -12432,7 +12437,7 @@
               <a:blipFill>
                 <a:blip r:embed="rId17"/>
                 <a:stretch>
-                  <a:fillRect l="-2448" b="-24242"/>
+                  <a:fillRect l="-2284" b="-24242"/>
                 </a:stretch>
               </a:blipFill>
             </p:spPr>
@@ -12441,7 +12446,7 @@
               <a:lstStyle/>
               <a:p>
                 <a:r>
-                  <a:rPr lang="en-US">
+                  <a:rPr lang="en-CN">
                     <a:noFill/>
                   </a:rPr>
                   <a:t> </a:t>
@@ -12468,7 +12473,7 @@
             <p:spPr>
               <a:xfrm>
                 <a:off x="594525" y="13473613"/>
-                <a:ext cx="8107156" cy="834011"/>
+                <a:ext cx="8414932" cy="834011"/>
               </a:xfrm>
               <a:prstGeom prst="rect">
                 <a:avLst/>
@@ -12489,7 +12494,7 @@
                     <a:ea typeface="Songti TC" panose="02010600040101010101" pitchFamily="2" charset="-120"/>
                     <a:cs typeface="Times New Roman" panose="02020603050405020304" pitchFamily="18" charset="0"/>
                   </a:rPr>
-                  <a:t>域内干扰</a:t>
+                  <a:t>边缘内干扰</a:t>
                 </a:r>
                 <a14:m>
                   <m:oMath xmlns:m="http://schemas.openxmlformats.org/officeDocument/2006/math">
@@ -12803,7 +12808,7 @@
             <p:spPr>
               <a:xfrm>
                 <a:off x="594525" y="13473613"/>
-                <a:ext cx="8107156" cy="834011"/>
+                <a:ext cx="8414932" cy="834011"/>
               </a:xfrm>
               <a:prstGeom prst="rect">
                 <a:avLst/>
@@ -12811,7 +12816,7 @@
               <a:blipFill>
                 <a:blip r:embed="rId18"/>
                 <a:stretch>
-                  <a:fillRect l="-2351" b="-23881"/>
+                  <a:fillRect l="-2262" b="-23881"/>
                 </a:stretch>
               </a:blipFill>
             </p:spPr>
@@ -12820,7 +12825,7 @@
               <a:lstStyle/>
               <a:p>
                 <a:r>
-                  <a:rPr lang="en-US">
+                  <a:rPr lang="en-CN">
                     <a:noFill/>
                   </a:rPr>
                   <a:t> </a:t>
@@ -12830,8 +12835,8 @@
           </p:sp>
         </mc:Fallback>
       </mc:AlternateContent>
-      <mc:AlternateContent xmlns:mc="http://schemas.openxmlformats.org/markup-compatibility/2006">
-        <mc:Choice xmlns:a14="http://schemas.microsoft.com/office/drawing/2010/main" Requires="a14">
+      <mc:AlternateContent xmlns:mc="http://schemas.openxmlformats.org/markup-compatibility/2006" xmlns:a14="http://schemas.microsoft.com/office/drawing/2010/main">
+        <mc:Choice Requires="a14">
           <p:sp>
             <p:nvSpPr>
               <p:cNvPr id="456" name="矩形 191">
@@ -13001,7 +13006,7 @@
             </p:txBody>
           </p:sp>
         </mc:Choice>
-        <mc:Fallback>
+        <mc:Fallback xmlns="">
           <p:sp>
             <p:nvSpPr>
               <p:cNvPr id="456" name="矩形 191">
@@ -13046,8 +13051,8 @@
           </p:sp>
         </mc:Fallback>
       </mc:AlternateContent>
-      <mc:AlternateContent xmlns:mc="http://schemas.openxmlformats.org/markup-compatibility/2006">
-        <mc:Choice xmlns:a14="http://schemas.microsoft.com/office/drawing/2010/main" Requires="a14">
+      <mc:AlternateContent xmlns:mc="http://schemas.openxmlformats.org/markup-compatibility/2006" xmlns:a14="http://schemas.microsoft.com/office/drawing/2010/main">
+        <mc:Choice Requires="a14">
           <p:sp>
             <p:nvSpPr>
               <p:cNvPr id="457" name="矩形 192">
@@ -13301,7 +13306,7 @@
             </p:txBody>
           </p:sp>
         </mc:Choice>
-        <mc:Fallback>
+        <mc:Fallback xmlns="">
           <p:sp>
             <p:nvSpPr>
               <p:cNvPr id="457" name="矩形 192">
@@ -13636,8 +13641,8 @@
           </a:p>
         </p:txBody>
       </p:sp>
-      <mc:AlternateContent xmlns:mc="http://schemas.openxmlformats.org/markup-compatibility/2006">
-        <mc:Choice xmlns:a14="http://schemas.microsoft.com/office/drawing/2010/main" Requires="a14">
+      <mc:AlternateContent xmlns:mc="http://schemas.openxmlformats.org/markup-compatibility/2006" xmlns:a14="http://schemas.microsoft.com/office/drawing/2010/main">
+        <mc:Choice Requires="a14">
           <p:sp>
             <p:nvSpPr>
               <p:cNvPr id="463" name="文本框 198">
@@ -13703,7 +13708,7 @@
             </p:txBody>
           </p:sp>
         </mc:Choice>
-        <mc:Fallback>
+        <mc:Fallback xmlns="">
           <p:sp>
             <p:nvSpPr>
               <p:cNvPr id="463" name="文本框 198">
@@ -13748,8 +13753,8 @@
           </p:sp>
         </mc:Fallback>
       </mc:AlternateContent>
-      <mc:AlternateContent xmlns:mc="http://schemas.openxmlformats.org/markup-compatibility/2006">
-        <mc:Choice xmlns:a14="http://schemas.microsoft.com/office/drawing/2010/main" Requires="a14">
+      <mc:AlternateContent xmlns:mc="http://schemas.openxmlformats.org/markup-compatibility/2006" xmlns:a14="http://schemas.microsoft.com/office/drawing/2010/main">
+        <mc:Choice Requires="a14">
           <p:sp>
             <p:nvSpPr>
               <p:cNvPr id="464" name="文本框 199">
@@ -13816,7 +13821,7 @@
             </p:txBody>
           </p:sp>
         </mc:Choice>
-        <mc:Fallback>
+        <mc:Fallback xmlns="">
           <p:sp>
             <p:nvSpPr>
               <p:cNvPr id="464" name="文本框 199">
@@ -13861,8 +13866,8 @@
           </p:sp>
         </mc:Fallback>
       </mc:AlternateContent>
-      <mc:AlternateContent xmlns:mc="http://schemas.openxmlformats.org/markup-compatibility/2006">
-        <mc:Choice xmlns:a14="http://schemas.microsoft.com/office/drawing/2010/main" Requires="a14">
+      <mc:AlternateContent xmlns:mc="http://schemas.openxmlformats.org/markup-compatibility/2006" xmlns:a14="http://schemas.microsoft.com/office/drawing/2010/main">
+        <mc:Choice Requires="a14">
           <p:sp>
             <p:nvSpPr>
               <p:cNvPr id="465" name="文本框 200">
@@ -13929,7 +13934,7 @@
             </p:txBody>
           </p:sp>
         </mc:Choice>
-        <mc:Fallback>
+        <mc:Fallback xmlns="">
           <p:sp>
             <p:nvSpPr>
               <p:cNvPr id="465" name="文本框 200">
@@ -13974,8 +13979,8 @@
           </p:sp>
         </mc:Fallback>
       </mc:AlternateContent>
-      <mc:AlternateContent xmlns:mc="http://schemas.openxmlformats.org/markup-compatibility/2006">
-        <mc:Choice xmlns:a14="http://schemas.microsoft.com/office/drawing/2010/main" Requires="a14">
+      <mc:AlternateContent xmlns:mc="http://schemas.openxmlformats.org/markup-compatibility/2006" xmlns:a14="http://schemas.microsoft.com/office/drawing/2010/main">
+        <mc:Choice Requires="a14">
           <p:sp>
             <p:nvSpPr>
               <p:cNvPr id="466" name="文本框 201">
@@ -14042,7 +14047,7 @@
             </p:txBody>
           </p:sp>
         </mc:Choice>
-        <mc:Fallback>
+        <mc:Fallback xmlns="">
           <p:sp>
             <p:nvSpPr>
               <p:cNvPr id="466" name="文本框 201">
@@ -14087,8 +14092,8 @@
           </p:sp>
         </mc:Fallback>
       </mc:AlternateContent>
-      <mc:AlternateContent xmlns:mc="http://schemas.openxmlformats.org/markup-compatibility/2006">
-        <mc:Choice xmlns:a14="http://schemas.microsoft.com/office/drawing/2010/main" Requires="a14">
+      <mc:AlternateContent xmlns:mc="http://schemas.openxmlformats.org/markup-compatibility/2006" xmlns:a14="http://schemas.microsoft.com/office/drawing/2010/main">
+        <mc:Choice Requires="a14">
           <p:sp>
             <p:nvSpPr>
               <p:cNvPr id="467" name="文本框 202">
@@ -14155,7 +14160,7 @@
             </p:txBody>
           </p:sp>
         </mc:Choice>
-        <mc:Fallback>
+        <mc:Fallback xmlns="">
           <p:sp>
             <p:nvSpPr>
               <p:cNvPr id="467" name="文本框 202">
@@ -14200,8 +14205,8 @@
           </p:sp>
         </mc:Fallback>
       </mc:AlternateContent>
-      <mc:AlternateContent xmlns:mc="http://schemas.openxmlformats.org/markup-compatibility/2006">
-        <mc:Choice xmlns:a14="http://schemas.microsoft.com/office/drawing/2010/main" Requires="a14">
+      <mc:AlternateContent xmlns:mc="http://schemas.openxmlformats.org/markup-compatibility/2006" xmlns:a14="http://schemas.microsoft.com/office/drawing/2010/main">
+        <mc:Choice Requires="a14">
           <p:sp>
             <p:nvSpPr>
               <p:cNvPr id="468" name="文本框 203">
@@ -14268,7 +14273,7 @@
             </p:txBody>
           </p:sp>
         </mc:Choice>
-        <mc:Fallback>
+        <mc:Fallback xmlns="">
           <p:sp>
             <p:nvSpPr>
               <p:cNvPr id="468" name="文本框 203">
@@ -14770,8 +14775,8 @@
           </a:fontRef>
         </p:style>
       </p:cxnSp>
-      <mc:AlternateContent xmlns:mc="http://schemas.openxmlformats.org/markup-compatibility/2006">
-        <mc:Choice xmlns:a14="http://schemas.microsoft.com/office/drawing/2010/main" Requires="a14">
+      <mc:AlternateContent xmlns:mc="http://schemas.openxmlformats.org/markup-compatibility/2006" xmlns:a14="http://schemas.microsoft.com/office/drawing/2010/main">
+        <mc:Choice Requires="a14">
           <p:sp>
             <p:nvSpPr>
               <p:cNvPr id="481" name="文本框 215">
@@ -14826,7 +14831,7 @@
             </p:txBody>
           </p:sp>
         </mc:Choice>
-        <mc:Fallback>
+        <mc:Fallback xmlns="">
           <p:sp>
             <p:nvSpPr>
               <p:cNvPr id="481" name="文本框 215">
@@ -14871,8 +14876,8 @@
           </p:sp>
         </mc:Fallback>
       </mc:AlternateContent>
-      <mc:AlternateContent xmlns:mc="http://schemas.openxmlformats.org/markup-compatibility/2006">
-        <mc:Choice xmlns:a14="http://schemas.microsoft.com/office/drawing/2010/main" Requires="a14">
+      <mc:AlternateContent xmlns:mc="http://schemas.openxmlformats.org/markup-compatibility/2006" xmlns:a14="http://schemas.microsoft.com/office/drawing/2010/main">
+        <mc:Choice Requires="a14">
           <p:sp>
             <p:nvSpPr>
               <p:cNvPr id="482" name="文本框 216">
@@ -14964,7 +14969,7 @@
             </p:txBody>
           </p:sp>
         </mc:Choice>
-        <mc:Fallback>
+        <mc:Fallback xmlns="">
           <p:sp>
             <p:nvSpPr>
               <p:cNvPr id="482" name="文本框 216">
@@ -15202,8 +15207,8 @@
           </a:p>
         </p:txBody>
       </p:sp>
-      <mc:AlternateContent xmlns:mc="http://schemas.openxmlformats.org/markup-compatibility/2006">
-        <mc:Choice xmlns:a14="http://schemas.microsoft.com/office/drawing/2010/main" Requires="a14">
+      <mc:AlternateContent xmlns:mc="http://schemas.openxmlformats.org/markup-compatibility/2006" xmlns:a14="http://schemas.microsoft.com/office/drawing/2010/main">
+        <mc:Choice Requires="a14">
           <p:sp>
             <p:nvSpPr>
               <p:cNvPr id="486" name="文本框 220">
@@ -15295,7 +15300,7 @@
             </p:txBody>
           </p:sp>
         </mc:Choice>
-        <mc:Fallback>
+        <mc:Fallback xmlns="">
           <p:sp>
             <p:nvSpPr>
               <p:cNvPr id="486" name="文本框 220">
@@ -15340,8 +15345,8 @@
           </p:sp>
         </mc:Fallback>
       </mc:AlternateContent>
-      <mc:AlternateContent xmlns:mc="http://schemas.openxmlformats.org/markup-compatibility/2006">
-        <mc:Choice xmlns:a14="http://schemas.microsoft.com/office/drawing/2010/main" Requires="a14">
+      <mc:AlternateContent xmlns:mc="http://schemas.openxmlformats.org/markup-compatibility/2006" xmlns:a14="http://schemas.microsoft.com/office/drawing/2010/main">
+        <mc:Choice Requires="a14">
           <p:sp>
             <p:nvSpPr>
               <p:cNvPr id="487" name="文本框 221">
@@ -15433,7 +15438,7 @@
             </p:txBody>
           </p:sp>
         </mc:Choice>
-        <mc:Fallback>
+        <mc:Fallback xmlns="">
           <p:sp>
             <p:nvSpPr>
               <p:cNvPr id="487" name="文本框 221">
@@ -15532,8 +15537,8 @@
           </a:p>
         </p:txBody>
       </p:sp>
-      <mc:AlternateContent xmlns:mc="http://schemas.openxmlformats.org/markup-compatibility/2006">
-        <mc:Choice xmlns:a14="http://schemas.microsoft.com/office/drawing/2010/main" Requires="a14">
+      <mc:AlternateContent xmlns:mc="http://schemas.openxmlformats.org/markup-compatibility/2006" xmlns:a14="http://schemas.microsoft.com/office/drawing/2010/main">
+        <mc:Choice Requires="a14">
           <p:sp>
             <p:nvSpPr>
               <p:cNvPr id="489" name="文本框 223">
@@ -15609,7 +15614,7 @@
             </p:txBody>
           </p:sp>
         </mc:Choice>
-        <mc:Fallback>
+        <mc:Fallback xmlns="">
           <p:sp>
             <p:nvSpPr>
               <p:cNvPr id="489" name="文本框 223">
@@ -16408,8 +16413,8 @@
             </a:p>
           </p:txBody>
         </p:sp>
-        <mc:AlternateContent xmlns:mc="http://schemas.openxmlformats.org/markup-compatibility/2006">
-          <mc:Choice xmlns:a14="http://schemas.microsoft.com/office/drawing/2010/main" Requires="a14">
+        <mc:AlternateContent xmlns:mc="http://schemas.openxmlformats.org/markup-compatibility/2006" xmlns:a14="http://schemas.microsoft.com/office/drawing/2010/main">
+          <mc:Choice Requires="a14">
             <p:sp>
               <p:nvSpPr>
                 <p:cNvPr id="501" name="矩形 236">
@@ -16507,7 +16512,7 @@
               </p:txBody>
             </p:sp>
           </mc:Choice>
-          <mc:Fallback>
+          <mc:Fallback xmlns="">
             <p:sp>
               <p:nvSpPr>
                 <p:cNvPr id="501" name="矩形 236">
@@ -16716,8 +16721,8 @@
             </a:p>
           </p:txBody>
         </p:sp>
-        <mc:AlternateContent xmlns:mc="http://schemas.openxmlformats.org/markup-compatibility/2006">
-          <mc:Choice xmlns:a14="http://schemas.microsoft.com/office/drawing/2010/main" Requires="a14">
+        <mc:AlternateContent xmlns:mc="http://schemas.openxmlformats.org/markup-compatibility/2006" xmlns:a14="http://schemas.microsoft.com/office/drawing/2010/main">
+          <mc:Choice Requires="a14">
             <p:sp>
               <p:nvSpPr>
                 <p:cNvPr id="505" name="矩形 240">
@@ -16815,7 +16820,7 @@
               </p:txBody>
             </p:sp>
           </mc:Choice>
-          <mc:Fallback>
+          <mc:Fallback xmlns="">
             <p:sp>
               <p:nvSpPr>
                 <p:cNvPr id="505" name="矩形 240">
@@ -16918,8 +16923,8 @@
             </a:p>
           </p:txBody>
         </p:sp>
-        <mc:AlternateContent xmlns:mc="http://schemas.openxmlformats.org/markup-compatibility/2006">
-          <mc:Choice xmlns:a14="http://schemas.microsoft.com/office/drawing/2010/main" Requires="a14">
+        <mc:AlternateContent xmlns:mc="http://schemas.openxmlformats.org/markup-compatibility/2006" xmlns:a14="http://schemas.microsoft.com/office/drawing/2010/main">
+          <mc:Choice Requires="a14">
             <p:sp>
               <p:nvSpPr>
                 <p:cNvPr id="507" name="矩形 242">
@@ -17017,7 +17022,7 @@
               </p:txBody>
             </p:sp>
           </mc:Choice>
-          <mc:Fallback>
+          <mc:Fallback xmlns="">
             <p:sp>
               <p:nvSpPr>
                 <p:cNvPr id="507" name="矩形 242">
@@ -17231,8 +17236,8 @@
             </a:p>
           </p:txBody>
         </p:sp>
-        <mc:AlternateContent xmlns:mc="http://schemas.openxmlformats.org/markup-compatibility/2006">
-          <mc:Choice xmlns:a14="http://schemas.microsoft.com/office/drawing/2010/main" Requires="a14">
+        <mc:AlternateContent xmlns:mc="http://schemas.openxmlformats.org/markup-compatibility/2006" xmlns:a14="http://schemas.microsoft.com/office/drawing/2010/main">
+          <mc:Choice Requires="a14">
             <p:sp>
               <p:nvSpPr>
                 <p:cNvPr id="511" name="矩形 246">
@@ -17323,7 +17328,7 @@
               </p:txBody>
             </p:sp>
           </mc:Choice>
-          <mc:Fallback>
+          <mc:Fallback xmlns="">
             <p:sp>
               <p:nvSpPr>
                 <p:cNvPr id="511" name="矩形 246">
@@ -17368,8 +17373,8 @@
             </p:sp>
           </mc:Fallback>
         </mc:AlternateContent>
-        <mc:AlternateContent xmlns:mc="http://schemas.openxmlformats.org/markup-compatibility/2006">
-          <mc:Choice xmlns:a14="http://schemas.microsoft.com/office/drawing/2010/main" Requires="a14">
+        <mc:AlternateContent xmlns:mc="http://schemas.openxmlformats.org/markup-compatibility/2006" xmlns:a14="http://schemas.microsoft.com/office/drawing/2010/main">
+          <mc:Choice Requires="a14">
             <p:sp>
               <p:nvSpPr>
                 <p:cNvPr id="512" name="矩形 247">
@@ -17460,7 +17465,7 @@
               </p:txBody>
             </p:sp>
           </mc:Choice>
-          <mc:Fallback>
+          <mc:Fallback xmlns="">
             <p:sp>
               <p:nvSpPr>
                 <p:cNvPr id="512" name="矩形 247">
@@ -17685,8 +17690,8 @@
           </a:p>
         </p:txBody>
       </p:sp>
-      <mc:AlternateContent xmlns:mc="http://schemas.openxmlformats.org/markup-compatibility/2006">
-        <mc:Choice xmlns:a14="http://schemas.microsoft.com/office/drawing/2010/main" Requires="a14">
+      <mc:AlternateContent xmlns:mc="http://schemas.openxmlformats.org/markup-compatibility/2006" xmlns:a14="http://schemas.microsoft.com/office/drawing/2010/main">
+        <mc:Choice Requires="a14">
           <p:sp>
             <p:nvSpPr>
               <p:cNvPr id="522" name="文本框 264">
@@ -17744,7 +17749,7 @@
             </p:txBody>
           </p:sp>
         </mc:Choice>
-        <mc:Fallback>
+        <mc:Fallback xmlns="">
           <p:sp>
             <p:nvSpPr>
               <p:cNvPr id="522" name="文本框 264">
@@ -17847,8 +17852,8 @@
           </a:p>
         </p:txBody>
       </p:sp>
-      <mc:AlternateContent xmlns:mc="http://schemas.openxmlformats.org/markup-compatibility/2006">
-        <mc:Choice xmlns:a14="http://schemas.microsoft.com/office/drawing/2010/main" Requires="a14">
+      <mc:AlternateContent xmlns:mc="http://schemas.openxmlformats.org/markup-compatibility/2006" xmlns:a14="http://schemas.microsoft.com/office/drawing/2010/main">
+        <mc:Choice Requires="a14">
           <p:sp>
             <p:nvSpPr>
               <p:cNvPr id="524" name="文本框 266">
@@ -17914,7 +17919,7 @@
             </p:txBody>
           </p:sp>
         </mc:Choice>
-        <mc:Fallback>
+        <mc:Fallback xmlns="">
           <p:sp>
             <p:nvSpPr>
               <p:cNvPr id="524" name="文本框 266">
@@ -18266,8 +18271,8 @@
           </a:p>
         </p:txBody>
       </p:sp>
-      <mc:AlternateContent xmlns:mc="http://schemas.openxmlformats.org/markup-compatibility/2006">
-        <mc:Choice xmlns:a14="http://schemas.microsoft.com/office/drawing/2010/main" Requires="a14">
+      <mc:AlternateContent xmlns:mc="http://schemas.openxmlformats.org/markup-compatibility/2006" xmlns:a14="http://schemas.microsoft.com/office/drawing/2010/main">
+        <mc:Choice Requires="a14">
           <p:sp>
             <p:nvSpPr>
               <p:cNvPr id="530" name="文本框 8">
@@ -18332,7 +18337,7 @@
             </p:txBody>
           </p:sp>
         </mc:Choice>
-        <mc:Fallback>
+        <mc:Fallback xmlns="">
           <p:sp>
             <p:nvSpPr>
               <p:cNvPr id="530" name="文本框 8">
